--- a/Presentations/20240916MasterThesisPresentation.pptx
+++ b/Presentations/20240916MasterThesisPresentation.pptx
@@ -280,7 +280,7 @@
       </p15:sldGuideLst>
     </p:ext>
     <p:ext uri="GoogleSlidesCustomDataVersion2">
-      <go:slidesCustomData xmlns:go="http://customooxmlschemas.google.com/" r:id="rId30" roundtripDataSignature="AMtx7mgx4xQF2zn9iH+hVVGNx6EsU3WwMg=="/>
+      <go:slidesCustomData xmlns:go="http://customooxmlschemas.google.com/" r:id="rId30" roundtripDataSignature="AMtx7mhiEWPT6ap1+tqOXGShSowh0wjNAQ=="/>
     </p:ext>
   </p:extLst>
 </p:presentation>
@@ -13276,17 +13276,18 @@
           <p:cNvPicPr preferRelativeResize="0"/>
           <p:nvPr/>
         </p:nvPicPr>
-        <p:blipFill rotWithShape="1">
+        <p:blipFill>
           <a:blip r:embed="rId3">
             <a:alphaModFix/>
           </a:blip>
-          <a:srcRect b="0" l="0" r="0" t="0"/>
-          <a:stretch/>
+          <a:stretch>
+            <a:fillRect/>
+          </a:stretch>
         </p:blipFill>
         <p:spPr>
           <a:xfrm>
-            <a:off x="1680600" y="1017725"/>
-            <a:ext cx="6172200" cy="3820976"/>
+            <a:off x="1616225" y="1109825"/>
+            <a:ext cx="5781600" cy="3820976"/>
           </a:xfrm>
           <a:prstGeom prst="rect">
             <a:avLst/>
